--- a/projectall/dist/Презентация1.pptx
+++ b/projectall/dist/Презентация1.pptx
@@ -107,6 +107,11 @@
       </a:defRPr>
     </a:lvl9pPr>
   </p:defaultTextStyle>
+  <p:extLst>
+    <p:ext uri="{EFAFB233-063F-42B5-8137-9DF3F51BA10A}">
+      <p15:sldGuideLst xmlns:p15="http://schemas.microsoft.com/office/powerpoint/2012/main"/>
+    </p:ext>
+  </p:extLst>
 </p:presentation>
 </file>
 
@@ -3934,7 +3939,7 @@
               <a:rPr lang="ru-RU" dirty="0">
                 <a:latin typeface="YS Text"/>
               </a:rPr>
-              <a:t>окно калькулятора валют и так же дополнительно присутствует окно изменение темы приложения)</a:t>
+              <a:t>окно калькулятора валют и также дополнительно присутствует окно изменение темы приложения)</a:t>
             </a:r>
             <a:endParaRPr lang="en-US" dirty="0">
               <a:latin typeface="YS Text"/>
